--- a/presentation.pptx
+++ b/presentation.pptx
@@ -5,17 +5,13 @@
     <p:sldMasterId id="2147483648" r:id="rId1"/>
   </p:sldMasterIdLst>
   <p:notesMasterIdLst>
-    <p:notesMasterId r:id="rId10"/>
+    <p:notesMasterId r:id="rId6"/>
   </p:notesMasterIdLst>
   <p:sldIdLst>
     <p:sldId id="256" r:id="rId2"/>
-    <p:sldId id="288" r:id="rId3"/>
-    <p:sldId id="257" r:id="rId4"/>
-    <p:sldId id="289" r:id="rId5"/>
-    <p:sldId id="290" r:id="rId6"/>
-    <p:sldId id="291" r:id="rId7"/>
-    <p:sldId id="293" r:id="rId8"/>
-    <p:sldId id="292" r:id="rId9"/>
+    <p:sldId id="257" r:id="rId3"/>
+    <p:sldId id="290" r:id="rId4"/>
+    <p:sldId id="292" r:id="rId5"/>
   </p:sldIdLst>
   <p:sldSz cx="12192000" cy="6858000"/>
   <p:notesSz cx="6858000" cy="9144000"/>
@@ -621,7 +617,7 @@
           <a:p>
             <a:fld id="{081A4DCC-CA9B-214F-9112-09963284714D}" type="slidenum">
               <a:rPr lang="en-US" smtClean="0"/>
-              <a:t>3</a:t>
+              <a:t>2</a:t>
             </a:fld>
             <a:endParaRPr lang="en-US" dirty="0"/>
           </a:p>
@@ -700,7 +696,7 @@
           <a:p>
             <a:fld id="{081A4DCC-CA9B-214F-9112-09963284714D}" type="slidenum">
               <a:rPr lang="en-US" smtClean="0"/>
-              <a:t>4</a:t>
+              <a:t>3</a:t>
             </a:fld>
             <a:endParaRPr lang="en-US" dirty="0"/>
           </a:p>
@@ -709,7 +705,7 @@
     </p:spTree>
     <p:extLst>
       <p:ext uri="{BB962C8B-B14F-4D97-AF65-F5344CB8AC3E}">
-        <p14:creationId xmlns:p14="http://schemas.microsoft.com/office/powerpoint/2010/main" val="2381566183"/>
+        <p14:creationId xmlns:p14="http://schemas.microsoft.com/office/powerpoint/2010/main" val="110344028"/>
       </p:ext>
     </p:extLst>
   </p:cSld>
@@ -784,259 +780,7 @@
           <a:p>
             <a:fld id="{081A4DCC-CA9B-214F-9112-09963284714D}" type="slidenum">
               <a:rPr lang="en-US" smtClean="0"/>
-              <a:t>5</a:t>
-            </a:fld>
-            <a:endParaRPr lang="en-US" dirty="0"/>
-          </a:p>
-        </p:txBody>
-      </p:sp>
-    </p:spTree>
-    <p:extLst>
-      <p:ext uri="{BB962C8B-B14F-4D97-AF65-F5344CB8AC3E}">
-        <p14:creationId xmlns:p14="http://schemas.microsoft.com/office/powerpoint/2010/main" val="110344028"/>
-      </p:ext>
-    </p:extLst>
-  </p:cSld>
-  <p:clrMapOvr>
-    <a:masterClrMapping/>
-  </p:clrMapOvr>
-</p:notes>
-</file>
-
-<file path=ppt/notesSlides/notesSlide5.xml><?xml version="1.0" encoding="utf-8"?>
-<p:notes xmlns:a="http://schemas.openxmlformats.org/drawingml/2006/main" xmlns:r="http://schemas.openxmlformats.org/officeDocument/2006/relationships" xmlns:p="http://schemas.openxmlformats.org/presentationml/2006/main">
-  <p:cSld>
-    <p:spTree>
-      <p:nvGrpSpPr>
-        <p:cNvPr id="1" name=""/>
-        <p:cNvGrpSpPr/>
-        <p:nvPr/>
-      </p:nvGrpSpPr>
-      <p:grpSpPr>
-        <a:xfrm>
-          <a:off x="0" y="0"/>
-          <a:ext cx="0" cy="0"/>
-          <a:chOff x="0" y="0"/>
-          <a:chExt cx="0" cy="0"/>
-        </a:xfrm>
-      </p:grpSpPr>
-      <p:sp>
-        <p:nvSpPr>
-          <p:cNvPr id="2" name="Slide Image Placeholder 1"/>
-          <p:cNvSpPr>
-            <a:spLocks noGrp="1" noRot="1" noChangeAspect="1"/>
-          </p:cNvSpPr>
-          <p:nvPr>
-            <p:ph type="sldImg"/>
-          </p:nvPr>
-        </p:nvSpPr>
-        <p:spPr/>
-      </p:sp>
-      <p:sp>
-        <p:nvSpPr>
-          <p:cNvPr id="3" name="Notes Placeholder 2"/>
-          <p:cNvSpPr>
-            <a:spLocks noGrp="1"/>
-          </p:cNvSpPr>
-          <p:nvPr>
-            <p:ph type="body" idx="1"/>
-          </p:nvPr>
-        </p:nvSpPr>
-        <p:spPr/>
-        <p:txBody>
-          <a:bodyPr/>
-          <a:lstStyle/>
-          <a:p>
-            <a:endParaRPr lang="en-US" dirty="0"/>
-          </a:p>
-        </p:txBody>
-      </p:sp>
-      <p:sp>
-        <p:nvSpPr>
-          <p:cNvPr id="4" name="Slide Number Placeholder 3"/>
-          <p:cNvSpPr>
-            <a:spLocks noGrp="1"/>
-          </p:cNvSpPr>
-          <p:nvPr>
-            <p:ph type="sldNum" sz="quarter" idx="5"/>
-          </p:nvPr>
-        </p:nvSpPr>
-        <p:spPr/>
-        <p:txBody>
-          <a:bodyPr/>
-          <a:lstStyle/>
-          <a:p>
-            <a:fld id="{081A4DCC-CA9B-214F-9112-09963284714D}" type="slidenum">
-              <a:rPr lang="en-US" smtClean="0"/>
-              <a:t>6</a:t>
-            </a:fld>
-            <a:endParaRPr lang="en-US" dirty="0"/>
-          </a:p>
-        </p:txBody>
-      </p:sp>
-    </p:spTree>
-    <p:extLst>
-      <p:ext uri="{BB962C8B-B14F-4D97-AF65-F5344CB8AC3E}">
-        <p14:creationId xmlns:p14="http://schemas.microsoft.com/office/powerpoint/2010/main" val="320726751"/>
-      </p:ext>
-    </p:extLst>
-  </p:cSld>
-  <p:clrMapOvr>
-    <a:masterClrMapping/>
-  </p:clrMapOvr>
-</p:notes>
-</file>
-
-<file path=ppt/notesSlides/notesSlide6.xml><?xml version="1.0" encoding="utf-8"?>
-<p:notes xmlns:a="http://schemas.openxmlformats.org/drawingml/2006/main" xmlns:r="http://schemas.openxmlformats.org/officeDocument/2006/relationships" xmlns:p="http://schemas.openxmlformats.org/presentationml/2006/main">
-  <p:cSld>
-    <p:spTree>
-      <p:nvGrpSpPr>
-        <p:cNvPr id="1" name=""/>
-        <p:cNvGrpSpPr/>
-        <p:nvPr/>
-      </p:nvGrpSpPr>
-      <p:grpSpPr>
-        <a:xfrm>
-          <a:off x="0" y="0"/>
-          <a:ext cx="0" cy="0"/>
-          <a:chOff x="0" y="0"/>
-          <a:chExt cx="0" cy="0"/>
-        </a:xfrm>
-      </p:grpSpPr>
-      <p:sp>
-        <p:nvSpPr>
-          <p:cNvPr id="2" name="Slide Image Placeholder 1"/>
-          <p:cNvSpPr>
-            <a:spLocks noGrp="1" noRot="1" noChangeAspect="1"/>
-          </p:cNvSpPr>
-          <p:nvPr>
-            <p:ph type="sldImg"/>
-          </p:nvPr>
-        </p:nvSpPr>
-        <p:spPr/>
-      </p:sp>
-      <p:sp>
-        <p:nvSpPr>
-          <p:cNvPr id="3" name="Notes Placeholder 2"/>
-          <p:cNvSpPr>
-            <a:spLocks noGrp="1"/>
-          </p:cNvSpPr>
-          <p:nvPr>
-            <p:ph type="body" idx="1"/>
-          </p:nvPr>
-        </p:nvSpPr>
-        <p:spPr/>
-        <p:txBody>
-          <a:bodyPr/>
-          <a:lstStyle/>
-          <a:p>
-            <a:endParaRPr lang="en-US" dirty="0"/>
-          </a:p>
-        </p:txBody>
-      </p:sp>
-      <p:sp>
-        <p:nvSpPr>
-          <p:cNvPr id="4" name="Slide Number Placeholder 3"/>
-          <p:cNvSpPr>
-            <a:spLocks noGrp="1"/>
-          </p:cNvSpPr>
-          <p:nvPr>
-            <p:ph type="sldNum" sz="quarter" idx="5"/>
-          </p:nvPr>
-        </p:nvSpPr>
-        <p:spPr/>
-        <p:txBody>
-          <a:bodyPr/>
-          <a:lstStyle/>
-          <a:p>
-            <a:fld id="{081A4DCC-CA9B-214F-9112-09963284714D}" type="slidenum">
-              <a:rPr lang="en-US" smtClean="0"/>
-              <a:t>7</a:t>
-            </a:fld>
-            <a:endParaRPr lang="en-US" dirty="0"/>
-          </a:p>
-        </p:txBody>
-      </p:sp>
-    </p:spTree>
-    <p:extLst>
-      <p:ext uri="{BB962C8B-B14F-4D97-AF65-F5344CB8AC3E}">
-        <p14:creationId xmlns:p14="http://schemas.microsoft.com/office/powerpoint/2010/main" val="4250278226"/>
-      </p:ext>
-    </p:extLst>
-  </p:cSld>
-  <p:clrMapOvr>
-    <a:masterClrMapping/>
-  </p:clrMapOvr>
-</p:notes>
-</file>
-
-<file path=ppt/notesSlides/notesSlide7.xml><?xml version="1.0" encoding="utf-8"?>
-<p:notes xmlns:a="http://schemas.openxmlformats.org/drawingml/2006/main" xmlns:r="http://schemas.openxmlformats.org/officeDocument/2006/relationships" xmlns:p="http://schemas.openxmlformats.org/presentationml/2006/main">
-  <p:cSld>
-    <p:spTree>
-      <p:nvGrpSpPr>
-        <p:cNvPr id="1" name=""/>
-        <p:cNvGrpSpPr/>
-        <p:nvPr/>
-      </p:nvGrpSpPr>
-      <p:grpSpPr>
-        <a:xfrm>
-          <a:off x="0" y="0"/>
-          <a:ext cx="0" cy="0"/>
-          <a:chOff x="0" y="0"/>
-          <a:chExt cx="0" cy="0"/>
-        </a:xfrm>
-      </p:grpSpPr>
-      <p:sp>
-        <p:nvSpPr>
-          <p:cNvPr id="2" name="Slide Image Placeholder 1"/>
-          <p:cNvSpPr>
-            <a:spLocks noGrp="1" noRot="1" noChangeAspect="1"/>
-          </p:cNvSpPr>
-          <p:nvPr>
-            <p:ph type="sldImg"/>
-          </p:nvPr>
-        </p:nvSpPr>
-        <p:spPr/>
-      </p:sp>
-      <p:sp>
-        <p:nvSpPr>
-          <p:cNvPr id="3" name="Notes Placeholder 2"/>
-          <p:cNvSpPr>
-            <a:spLocks noGrp="1"/>
-          </p:cNvSpPr>
-          <p:nvPr>
-            <p:ph type="body" idx="1"/>
-          </p:nvPr>
-        </p:nvSpPr>
-        <p:spPr/>
-        <p:txBody>
-          <a:bodyPr/>
-          <a:lstStyle/>
-          <a:p>
-            <a:endParaRPr lang="en-US" dirty="0"/>
-          </a:p>
-        </p:txBody>
-      </p:sp>
-      <p:sp>
-        <p:nvSpPr>
-          <p:cNvPr id="4" name="Slide Number Placeholder 3"/>
-          <p:cNvSpPr>
-            <a:spLocks noGrp="1"/>
-          </p:cNvSpPr>
-          <p:nvPr>
-            <p:ph type="sldNum" sz="quarter" idx="5"/>
-          </p:nvPr>
-        </p:nvSpPr>
-        <p:spPr/>
-        <p:txBody>
-          <a:bodyPr/>
-          <a:lstStyle/>
-          <a:p>
-            <a:fld id="{081A4DCC-CA9B-214F-9112-09963284714D}" type="slidenum">
-              <a:rPr lang="en-US" smtClean="0"/>
-              <a:t>8</a:t>
+              <a:t>4</a:t>
             </a:fld>
             <a:endParaRPr lang="en-US" dirty="0"/>
           </a:p>
@@ -2769,7 +2513,7 @@
       </p:grpSpPr>
       <p:sp>
         <p:nvSpPr>
-          <p:cNvPr id="2" name="Title 1"/>
+          <p:cNvPr id="5" name="Title 1"/>
           <p:cNvSpPr>
             <a:spLocks noGrp="1"/>
           </p:cNvSpPr>
@@ -2777,14 +2521,21 @@
             <p:ph type="title"/>
           </p:nvPr>
         </p:nvSpPr>
-        <p:spPr/>
+        <p:spPr>
+          <a:xfrm>
+            <a:off x="405830" y="248569"/>
+            <a:ext cx="5188146" cy="896352"/>
+          </a:xfrm>
+        </p:spPr>
         <p:txBody>
-          <a:bodyPr/>
+          <a:bodyPr>
+            <a:normAutofit fontScale="90000"/>
+          </a:bodyPr>
           <a:lstStyle/>
           <a:p>
             <a:r>
-              <a:rPr lang="en-US"/>
-              <a:t>Overview</a:t>
+              <a:rPr lang="en-US" sz="4000" dirty="0"/>
+              <a:t>Tools and methodologies</a:t>
             </a:r>
           </a:p>
         </p:txBody>
@@ -2799,41 +2550,222 @@
             <p:ph idx="1"/>
           </p:nvPr>
         </p:nvSpPr>
-        <p:spPr>
-          <a:xfrm>
-            <a:off x="838200" y="2432685"/>
-            <a:ext cx="10515600" cy="2677795"/>
-          </a:xfrm>
-        </p:spPr>
+        <p:spPr/>
         <p:txBody>
-          <a:bodyPr/>
+          <a:bodyPr>
+            <a:normAutofit fontScale="92500" lnSpcReduction="20000"/>
+          </a:bodyPr>
           <a:lstStyle/>
           <a:p>
-            <a:pPr marL="514350" indent="-514350">
-              <a:buAutoNum type="arabicPeriod"/>
+            <a:pPr marL="0" indent="0">
+              <a:buNone/>
             </a:pPr>
             <a:r>
               <a:rPr lang="en-US" dirty="0"/>
-              <a:t>Tools and methodologies</a:t>
-            </a:r>
-          </a:p>
-          <a:p>
-            <a:pPr marL="514350" indent="-514350">
-              <a:buAutoNum type="arabicPeriod"/>
+              <a:t>Tools:</a:t>
+            </a:r>
+          </a:p>
+          <a:p>
+            <a:pPr lvl="1"/>
+            <a:r>
+              <a:rPr lang="en-US" dirty="0"/>
+              <a:t>GPGPU-Sim [1]</a:t>
+            </a:r>
+          </a:p>
+          <a:p>
+            <a:pPr lvl="1"/>
+            <a:r>
+              <a:rPr lang="en-US" dirty="0" err="1"/>
+              <a:t>HotSpot</a:t>
+            </a:r>
+            <a:r>
+              <a:rPr lang="en-US" dirty="0"/>
+              <a:t> [2]</a:t>
+            </a:r>
+          </a:p>
+          <a:p>
+            <a:pPr lvl="1"/>
+            <a:r>
+              <a:rPr lang="en-US" dirty="0" err="1"/>
+              <a:t>Conda</a:t>
+            </a:r>
+            <a:endParaRPr lang="en-US" dirty="0"/>
+          </a:p>
+          <a:p>
+            <a:pPr marL="0" indent="0">
+              <a:buNone/>
             </a:pPr>
             <a:r>
               <a:rPr lang="en-US" dirty="0"/>
-              <a:t>Experimental results and technical insights</a:t>
-            </a:r>
-          </a:p>
-          <a:p>
-            <a:pPr marL="514350" indent="-514350">
-              <a:buAutoNum type="arabicPeriod"/>
+              <a:t>Methodologies:</a:t>
+            </a:r>
+          </a:p>
+          <a:p>
+            <a:pPr lvl="1"/>
+            <a:r>
+              <a:rPr lang="en-US" dirty="0"/>
+              <a:t>CUDA kernels design: </a:t>
+            </a:r>
+            <a:r>
+              <a:rPr lang="en-US" dirty="0" err="1"/>
+              <a:t>MatMul</a:t>
+            </a:r>
+            <a:r>
+              <a:rPr lang="en-US" dirty="0"/>
+              <a:t> and Needleman-Wunsch</a:t>
+            </a:r>
+          </a:p>
+          <a:p>
+            <a:pPr lvl="1"/>
+            <a:r>
+              <a:rPr lang="en-US" dirty="0"/>
+              <a:t>GPU design: a 4-layer, 3D floor plan</a:t>
+            </a:r>
+            <a:r>
+              <a:rPr lang="zh-CN" altLang="en-US" dirty="0"/>
+              <a:t> </a:t>
+            </a:r>
+            <a:r>
+              <a:rPr lang="en-US" altLang="zh-CN" dirty="0"/>
+              <a:t>of</a:t>
+            </a:r>
+            <a:r>
+              <a:rPr lang="zh-CN" altLang="en-US" dirty="0"/>
+              <a:t> </a:t>
+            </a:r>
+            <a:r>
+              <a:rPr lang="en-US" altLang="zh-CN" dirty="0"/>
+              <a:t>GTX480</a:t>
+            </a:r>
+            <a:r>
+              <a:rPr lang="zh-CN" altLang="en-US" dirty="0"/>
+              <a:t> </a:t>
+            </a:r>
+            <a:r>
+              <a:rPr lang="en-US" altLang="zh-CN" dirty="0"/>
+              <a:t>(Fermi</a:t>
+            </a:r>
+            <a:r>
+              <a:rPr lang="zh-CN" altLang="en-US" dirty="0"/>
+              <a:t> </a:t>
+            </a:r>
+            <a:r>
+              <a:rPr lang="en-US" altLang="zh-CN" dirty="0"/>
+              <a:t>architecture)</a:t>
+            </a:r>
+            <a:endParaRPr lang="en-US" dirty="0"/>
+          </a:p>
+          <a:p>
+            <a:pPr lvl="1"/>
+            <a:r>
+              <a:rPr lang="en-US" dirty="0"/>
+              <a:t>Heat dissipation analysis with different</a:t>
+            </a:r>
+          </a:p>
+          <a:p>
+            <a:pPr lvl="2"/>
+            <a:r>
+              <a:rPr lang="en-US" dirty="0"/>
+              <a:t>kernel operations</a:t>
+            </a:r>
+          </a:p>
+          <a:p>
+            <a:pPr lvl="2"/>
+            <a:r>
+              <a:rPr lang="en-US" dirty="0"/>
+              <a:t>tensor sizes</a:t>
+            </a:r>
+          </a:p>
+          <a:p>
+            <a:pPr lvl="1"/>
+            <a:r>
+              <a:rPr lang="en-US" dirty="0"/>
+              <a:t>Heatmap visualization</a:t>
+            </a:r>
+          </a:p>
+          <a:p>
+            <a:pPr lvl="1"/>
+            <a:r>
+              <a:rPr lang="en-US" altLang="zh-CN" dirty="0"/>
+              <a:t>Power</a:t>
+            </a:r>
+            <a:r>
+              <a:rPr lang="zh-CN" altLang="en-US" dirty="0"/>
+              <a:t> </a:t>
+            </a:r>
+            <a:r>
+              <a:rPr lang="en-US" altLang="zh-CN" dirty="0"/>
+              <a:t>traces</a:t>
+            </a:r>
+            <a:endParaRPr lang="en-US" dirty="0"/>
+          </a:p>
+          <a:p>
+            <a:pPr marL="457200" lvl="1" indent="0">
+              <a:buNone/>
             </a:pPr>
-            <a:r>
-              <a:rPr lang="en-US" dirty="0"/>
-              <a:t>Qualitative summary</a:t>
-            </a:r>
+            <a:endParaRPr lang="en-US" dirty="0"/>
+          </a:p>
+          <a:p>
+            <a:pPr marL="0" indent="0">
+              <a:buNone/>
+            </a:pPr>
+            <a:r>
+              <a:rPr lang="en-US" sz="2000" dirty="0"/>
+              <a:t>[1] </a:t>
+            </a:r>
+            <a:r>
+              <a:rPr lang="en-US" sz="2000" dirty="0">
+                <a:hlinkClick r:id="rId3"/>
+              </a:rPr>
+              <a:t>https://github.com/gpgpu-sim/gpgpu-sim_distribution</a:t>
+            </a:r>
+            <a:endParaRPr lang="en-US" sz="2000" dirty="0"/>
+          </a:p>
+          <a:p>
+            <a:pPr marL="0" indent="0">
+              <a:buNone/>
+            </a:pPr>
+            <a:r>
+              <a:rPr lang="en-US" sz="2000" dirty="0"/>
+              <a:t>[2] </a:t>
+            </a:r>
+            <a:r>
+              <a:rPr lang="en-US" sz="2000" dirty="0">
+                <a:hlinkClick r:id="rId4"/>
+              </a:rPr>
+              <a:t>https://</a:t>
+            </a:r>
+            <a:r>
+              <a:rPr lang="en-US" sz="2000" dirty="0" err="1">
+                <a:hlinkClick r:id="rId4"/>
+              </a:rPr>
+              <a:t>www.cs.virginia.edu</a:t>
+            </a:r>
+            <a:r>
+              <a:rPr lang="en-US" sz="2000" dirty="0">
+                <a:hlinkClick r:id="rId4"/>
+              </a:rPr>
+              <a:t>/</a:t>
+            </a:r>
+            <a:r>
+              <a:rPr lang="en-US" sz="2000" dirty="0" err="1">
+                <a:hlinkClick r:id="rId4"/>
+              </a:rPr>
+              <a:t>rodinia</a:t>
+            </a:r>
+            <a:r>
+              <a:rPr lang="en-US" sz="2000" dirty="0">
+                <a:hlinkClick r:id="rId4"/>
+              </a:rPr>
+              <a:t>/</a:t>
+            </a:r>
+            <a:r>
+              <a:rPr lang="en-US" sz="2000" dirty="0" err="1">
+                <a:hlinkClick r:id="rId4"/>
+              </a:rPr>
+              <a:t>doku.php</a:t>
+            </a:r>
+            <a:endParaRPr lang="en-US" sz="2000" dirty="0"/>
           </a:p>
         </p:txBody>
       </p:sp>
@@ -2880,14 +2812,27 @@
         </p:spPr>
         <p:txBody>
           <a:bodyPr>
-            <a:normAutofit fontScale="90000"/>
+            <a:normAutofit/>
           </a:bodyPr>
           <a:lstStyle/>
           <a:p>
             <a:r>
-              <a:rPr lang="en-US" dirty="0"/>
-              <a:t>Tools and methodologies</a:t>
-            </a:r>
+              <a:rPr lang="en-US" sz="3600" dirty="0"/>
+              <a:t>Exp</a:t>
+            </a:r>
+            <a:r>
+              <a:rPr lang="en-US" altLang="zh-CN" sz="3600" dirty="0"/>
+              <a:t>erimental</a:t>
+            </a:r>
+            <a:r>
+              <a:rPr lang="zh-CN" altLang="en-US" sz="3600" dirty="0"/>
+              <a:t> </a:t>
+            </a:r>
+            <a:r>
+              <a:rPr lang="en-US" altLang="zh-CN" sz="3600" dirty="0"/>
+              <a:t>results</a:t>
+            </a:r>
+            <a:endParaRPr lang="en-US" sz="3600" dirty="0"/>
           </a:p>
         </p:txBody>
       </p:sp>
@@ -2901,215 +2846,10 @@
             <p:ph idx="1"/>
           </p:nvPr>
         </p:nvSpPr>
-        <p:spPr/>
-        <p:txBody>
-          <a:bodyPr>
-            <a:normAutofit fontScale="92500" lnSpcReduction="10000"/>
-          </a:bodyPr>
-          <a:lstStyle/>
-          <a:p>
-            <a:pPr marL="0" indent="0">
-              <a:buNone/>
-            </a:pPr>
-            <a:r>
-              <a:rPr lang="en-US" dirty="0"/>
-              <a:t>Tools:</a:t>
-            </a:r>
-          </a:p>
-          <a:p>
-            <a:pPr lvl="1"/>
-            <a:r>
-              <a:rPr lang="en-US" dirty="0"/>
-              <a:t>GPGPU-Sim [1]</a:t>
-            </a:r>
-          </a:p>
-          <a:p>
-            <a:pPr lvl="1"/>
-            <a:r>
-              <a:rPr lang="en-US" dirty="0" err="1"/>
-              <a:t>HotSpot</a:t>
-            </a:r>
-            <a:r>
-              <a:rPr lang="en-US" dirty="0"/>
-              <a:t> [2]</a:t>
-            </a:r>
-          </a:p>
-          <a:p>
-            <a:pPr lvl="1"/>
-            <a:r>
-              <a:rPr lang="en-US" dirty="0" err="1"/>
-              <a:t>Conda</a:t>
-            </a:r>
-            <a:endParaRPr lang="en-US" dirty="0"/>
-          </a:p>
-          <a:p>
-            <a:pPr marL="0" indent="0">
-              <a:buNone/>
-            </a:pPr>
-            <a:r>
-              <a:rPr lang="en-US" dirty="0"/>
-              <a:t>Methodologies:</a:t>
-            </a:r>
-          </a:p>
-          <a:p>
-            <a:pPr lvl="1"/>
-            <a:r>
-              <a:rPr lang="en-US" dirty="0"/>
-              <a:t>CUDA kernels design: </a:t>
-            </a:r>
-            <a:r>
-              <a:rPr lang="en-US" dirty="0" err="1"/>
-              <a:t>MatMul</a:t>
-            </a:r>
-            <a:r>
-              <a:rPr lang="en-US" dirty="0"/>
-              <a:t> and Needleman-Wunsch</a:t>
-            </a:r>
-          </a:p>
-          <a:p>
-            <a:pPr lvl="1"/>
-            <a:r>
-              <a:rPr lang="en-US" dirty="0"/>
-              <a:t>GPU design: a 4-layer, 3D GTX480 floor plan</a:t>
-            </a:r>
-          </a:p>
-          <a:p>
-            <a:pPr lvl="1"/>
-            <a:r>
-              <a:rPr lang="en-US" dirty="0"/>
-              <a:t>Heat dissipation analysis with different</a:t>
-            </a:r>
-          </a:p>
-          <a:p>
-            <a:pPr lvl="2"/>
-            <a:r>
-              <a:rPr lang="en-US" dirty="0"/>
-              <a:t>kernel operations</a:t>
-            </a:r>
-          </a:p>
-          <a:p>
-            <a:pPr lvl="2"/>
-            <a:r>
-              <a:rPr lang="en-US" dirty="0"/>
-              <a:t>tensor size</a:t>
-            </a:r>
-          </a:p>
-          <a:p>
-            <a:pPr lvl="1"/>
-            <a:r>
-              <a:rPr lang="en-US" dirty="0"/>
-              <a:t>Heatmap visualization</a:t>
-            </a:r>
-          </a:p>
-          <a:p>
-            <a:pPr marL="457200" lvl="1" indent="0">
-              <a:buNone/>
-            </a:pPr>
-            <a:endParaRPr lang="en-US" dirty="0"/>
-          </a:p>
-          <a:p>
-            <a:pPr marL="0" indent="0">
-              <a:buNone/>
-            </a:pPr>
-            <a:r>
-              <a:rPr lang="en-US" sz="2000" dirty="0"/>
-              <a:t>[1] </a:t>
-            </a:r>
-            <a:r>
-              <a:rPr lang="en-US" sz="2000" dirty="0">
-                <a:hlinkClick r:id="rId3"/>
-              </a:rPr>
-              <a:t>https://github.com/gpgpu-sim/gpgpu-sim_distribution</a:t>
-            </a:r>
-            <a:endParaRPr lang="en-US" sz="2000" dirty="0"/>
-          </a:p>
-          <a:p>
-            <a:pPr marL="0" indent="0">
-              <a:buNone/>
-            </a:pPr>
-            <a:r>
-              <a:rPr lang="en-US" sz="2000" dirty="0"/>
-              <a:t>[2] </a:t>
-            </a:r>
-            <a:r>
-              <a:rPr lang="en-US" sz="2000" dirty="0">
-                <a:hlinkClick r:id="rId4"/>
-              </a:rPr>
-              <a:t>https://</a:t>
-            </a:r>
-            <a:r>
-              <a:rPr lang="en-US" sz="2000" dirty="0" err="1">
-                <a:hlinkClick r:id="rId4"/>
-              </a:rPr>
-              <a:t>www.cs.virginia.edu</a:t>
-            </a:r>
-            <a:r>
-              <a:rPr lang="en-US" sz="2000" dirty="0">
-                <a:hlinkClick r:id="rId4"/>
-              </a:rPr>
-              <a:t>/</a:t>
-            </a:r>
-            <a:r>
-              <a:rPr lang="en-US" sz="2000" dirty="0" err="1">
-                <a:hlinkClick r:id="rId4"/>
-              </a:rPr>
-              <a:t>rodinia</a:t>
-            </a:r>
-            <a:r>
-              <a:rPr lang="en-US" sz="2000" dirty="0">
-                <a:hlinkClick r:id="rId4"/>
-              </a:rPr>
-              <a:t>/</a:t>
-            </a:r>
-            <a:r>
-              <a:rPr lang="en-US" sz="2000" dirty="0" err="1">
-                <a:hlinkClick r:id="rId4"/>
-              </a:rPr>
-              <a:t>doku.php</a:t>
-            </a:r>
-            <a:endParaRPr lang="en-US" sz="2000" dirty="0"/>
-          </a:p>
-        </p:txBody>
-      </p:sp>
-    </p:spTree>
-  </p:cSld>
-  <p:clrMapOvr>
-    <a:masterClrMapping/>
-  </p:clrMapOvr>
-</p:sld>
-</file>
-
-<file path=ppt/slides/slide4.xml><?xml version="1.0" encoding="utf-8"?>
-<p:sld xmlns:a="http://schemas.openxmlformats.org/drawingml/2006/main" xmlns:r="http://schemas.openxmlformats.org/officeDocument/2006/relationships" xmlns:p="http://schemas.openxmlformats.org/presentationml/2006/main">
-  <p:cSld>
-    <p:spTree>
-      <p:nvGrpSpPr>
-        <p:cNvPr id="1" name=""/>
-        <p:cNvGrpSpPr/>
-        <p:nvPr/>
-      </p:nvGrpSpPr>
-      <p:grpSpPr>
-        <a:xfrm>
-          <a:off x="0" y="0"/>
-          <a:ext cx="0" cy="0"/>
-          <a:chOff x="0" y="0"/>
-          <a:chExt cx="0" cy="0"/>
-        </a:xfrm>
-      </p:grpSpPr>
-      <p:sp>
-        <p:nvSpPr>
-          <p:cNvPr id="5" name="Title 1"/>
-          <p:cNvSpPr>
-            <a:spLocks noGrp="1"/>
-          </p:cNvSpPr>
-          <p:nvPr>
-            <p:ph type="title"/>
-          </p:nvPr>
-        </p:nvSpPr>
         <p:spPr>
           <a:xfrm>
-            <a:off x="405830" y="248569"/>
-            <a:ext cx="5188146" cy="896352"/>
+            <a:off x="838200" y="1251284"/>
+            <a:ext cx="4944734" cy="4940794"/>
           </a:xfrm>
         </p:spPr>
         <p:txBody>
@@ -3118,575 +2858,6 @@
           </a:bodyPr>
           <a:lstStyle/>
           <a:p>
-            <a:r>
-              <a:rPr lang="en-US" dirty="0"/>
-              <a:t>Exp</a:t>
-            </a:r>
-            <a:r>
-              <a:rPr lang="en-US" altLang="zh-CN" dirty="0"/>
-              <a:t>erimental</a:t>
-            </a:r>
-            <a:r>
-              <a:rPr lang="zh-CN" altLang="en-US" dirty="0"/>
-              <a:t> </a:t>
-            </a:r>
-            <a:r>
-              <a:rPr lang="en-US" altLang="zh-CN" dirty="0"/>
-              <a:t>results</a:t>
-            </a:r>
-            <a:endParaRPr lang="en-US" dirty="0"/>
-          </a:p>
-        </p:txBody>
-      </p:sp>
-      <p:sp>
-        <p:nvSpPr>
-          <p:cNvPr id="3" name="Content Placeholder 2"/>
-          <p:cNvSpPr>
-            <a:spLocks noGrp="1"/>
-          </p:cNvSpPr>
-          <p:nvPr>
-            <p:ph idx="1"/>
-          </p:nvPr>
-        </p:nvSpPr>
-        <p:spPr/>
-        <p:txBody>
-          <a:bodyPr>
-            <a:normAutofit/>
-          </a:bodyPr>
-          <a:lstStyle/>
-          <a:p>
-            <a:pPr marL="0" indent="0">
-              <a:buNone/>
-            </a:pPr>
-            <a:r>
-              <a:rPr lang="en-US" altLang="zh-CN" dirty="0"/>
-              <a:t>Input</a:t>
-            </a:r>
-            <a:r>
-              <a:rPr lang="zh-CN" altLang="en-US" dirty="0"/>
-              <a:t> </a:t>
-            </a:r>
-            <a:r>
-              <a:rPr lang="en-US" altLang="zh-CN" dirty="0"/>
-              <a:t>tensor</a:t>
-            </a:r>
-            <a:r>
-              <a:rPr lang="zh-CN" altLang="en-US" dirty="0"/>
-              <a:t> </a:t>
-            </a:r>
-            <a:r>
-              <a:rPr lang="en-US" altLang="zh-CN" dirty="0"/>
-              <a:t>sizes:</a:t>
-            </a:r>
-          </a:p>
-          <a:p>
-            <a:pPr lvl="1"/>
-            <a:r>
-              <a:rPr lang="en-US" altLang="zh-CN" dirty="0" err="1"/>
-              <a:t>MatMul</a:t>
-            </a:r>
-            <a:r>
-              <a:rPr lang="en-US" altLang="zh-CN" dirty="0"/>
-              <a:t>:</a:t>
-            </a:r>
-            <a:r>
-              <a:rPr lang="zh-CN" altLang="en-US" dirty="0"/>
-              <a:t> </a:t>
-            </a:r>
-            <a:r>
-              <a:rPr lang="en-US" altLang="zh-CN" dirty="0"/>
-              <a:t>50,</a:t>
-            </a:r>
-            <a:r>
-              <a:rPr lang="zh-CN" altLang="en-US" dirty="0"/>
-              <a:t> </a:t>
-            </a:r>
-            <a:r>
-              <a:rPr lang="en-US" altLang="zh-CN" dirty="0"/>
-              <a:t>100,</a:t>
-            </a:r>
-            <a:r>
-              <a:rPr lang="zh-CN" altLang="en-US" dirty="0"/>
-              <a:t> </a:t>
-            </a:r>
-            <a:r>
-              <a:rPr lang="en-US" altLang="zh-CN" dirty="0"/>
-              <a:t>200,</a:t>
-            </a:r>
-            <a:r>
-              <a:rPr lang="zh-CN" altLang="en-US" dirty="0"/>
-              <a:t> </a:t>
-            </a:r>
-            <a:r>
-              <a:rPr lang="en-US" altLang="zh-CN" dirty="0"/>
-              <a:t>300,</a:t>
-            </a:r>
-            <a:r>
-              <a:rPr lang="zh-CN" altLang="en-US" dirty="0"/>
-              <a:t> </a:t>
-            </a:r>
-            <a:r>
-              <a:rPr lang="en-US" altLang="zh-CN" dirty="0"/>
-              <a:t>400</a:t>
-            </a:r>
-          </a:p>
-          <a:p>
-            <a:pPr lvl="1"/>
-            <a:r>
-              <a:rPr lang="en-US" altLang="zh-CN" dirty="0"/>
-              <a:t>Needleman-Wunsch:</a:t>
-            </a:r>
-            <a:r>
-              <a:rPr lang="zh-CN" altLang="en-US" dirty="0"/>
-              <a:t> </a:t>
-            </a:r>
-            <a:r>
-              <a:rPr lang="en-US" altLang="zh-CN" dirty="0"/>
-              <a:t>128,</a:t>
-            </a:r>
-            <a:r>
-              <a:rPr lang="zh-CN" altLang="en-US" dirty="0"/>
-              <a:t> </a:t>
-            </a:r>
-            <a:r>
-              <a:rPr lang="en-US" altLang="zh-CN" dirty="0"/>
-              <a:t>192,</a:t>
-            </a:r>
-            <a:r>
-              <a:rPr lang="zh-CN" altLang="en-US" dirty="0"/>
-              <a:t> </a:t>
-            </a:r>
-            <a:r>
-              <a:rPr lang="en-US" altLang="zh-CN" dirty="0"/>
-              <a:t>256,</a:t>
-            </a:r>
-            <a:r>
-              <a:rPr lang="zh-CN" altLang="en-US" dirty="0"/>
-              <a:t> </a:t>
-            </a:r>
-            <a:r>
-              <a:rPr lang="en-US" altLang="zh-CN" dirty="0"/>
-              <a:t>320,</a:t>
-            </a:r>
-            <a:r>
-              <a:rPr lang="zh-CN" altLang="en-US" dirty="0"/>
-              <a:t> </a:t>
-            </a:r>
-            <a:r>
-              <a:rPr lang="en-US" altLang="zh-CN" dirty="0"/>
-              <a:t>384</a:t>
-            </a:r>
-            <a:endParaRPr lang="en-US" altLang="zh-CN" sz="2800" dirty="0"/>
-          </a:p>
-          <a:p>
-            <a:pPr marL="0" indent="0">
-              <a:buNone/>
-            </a:pPr>
-            <a:r>
-              <a:rPr lang="en-US" altLang="zh-CN" dirty="0"/>
-              <a:t>Outputs</a:t>
-            </a:r>
-            <a:r>
-              <a:rPr lang="zh-CN" altLang="en-US" dirty="0"/>
-              <a:t> </a:t>
-            </a:r>
-            <a:r>
-              <a:rPr lang="en-US" altLang="zh-CN" dirty="0"/>
-              <a:t>(along</a:t>
-            </a:r>
-            <a:r>
-              <a:rPr lang="zh-CN" altLang="en-US" dirty="0"/>
-              <a:t> </a:t>
-            </a:r>
-            <a:r>
-              <a:rPr lang="en-US" altLang="zh-CN" dirty="0"/>
-              <a:t>with</a:t>
-            </a:r>
-            <a:r>
-              <a:rPr lang="zh-CN" altLang="en-US" dirty="0"/>
-              <a:t> </a:t>
-            </a:r>
-            <a:r>
-              <a:rPr lang="en-US" altLang="zh-CN" dirty="0"/>
-              <a:t>corresponding</a:t>
-            </a:r>
-            <a:r>
-              <a:rPr lang="zh-CN" altLang="en-US" dirty="0"/>
-              <a:t> </a:t>
-            </a:r>
-            <a:r>
-              <a:rPr lang="en-US" altLang="zh-CN" dirty="0"/>
-              <a:t>input</a:t>
-            </a:r>
-            <a:r>
-              <a:rPr lang="zh-CN" altLang="en-US" dirty="0"/>
-              <a:t> </a:t>
-            </a:r>
-            <a:r>
-              <a:rPr lang="en-US" altLang="zh-CN" dirty="0"/>
-              <a:t>tensor</a:t>
-            </a:r>
-            <a:r>
-              <a:rPr lang="zh-CN" altLang="en-US" dirty="0"/>
-              <a:t> </a:t>
-            </a:r>
-            <a:r>
-              <a:rPr lang="en-US" altLang="zh-CN" dirty="0"/>
-              <a:t>sizes):</a:t>
-            </a:r>
-          </a:p>
-          <a:p>
-            <a:pPr lvl="1"/>
-            <a:r>
-              <a:rPr lang="en-US" altLang="zh-CN" u="sng" dirty="0"/>
-              <a:t>3D</a:t>
-            </a:r>
-            <a:r>
-              <a:rPr lang="zh-CN" altLang="en-US" u="sng" dirty="0"/>
-              <a:t> </a:t>
-            </a:r>
-            <a:r>
-              <a:rPr lang="en-US" altLang="zh-CN" u="sng" dirty="0"/>
-              <a:t>floor</a:t>
-            </a:r>
-            <a:r>
-              <a:rPr lang="zh-CN" altLang="en-US" u="sng" dirty="0"/>
-              <a:t> </a:t>
-            </a:r>
-            <a:r>
-              <a:rPr lang="en-US" altLang="zh-CN" u="sng" dirty="0"/>
-              <a:t>plan</a:t>
-            </a:r>
-            <a:r>
-              <a:rPr lang="zh-CN" altLang="en-US" u="sng" dirty="0"/>
-              <a:t> </a:t>
-            </a:r>
-            <a:r>
-              <a:rPr lang="en-US" altLang="zh-CN" u="sng" dirty="0"/>
-              <a:t>configurations</a:t>
-            </a:r>
-            <a:r>
-              <a:rPr lang="zh-CN" altLang="en-US" dirty="0"/>
-              <a:t> </a:t>
-            </a:r>
-            <a:r>
-              <a:rPr lang="en-US" altLang="zh-CN" dirty="0"/>
-              <a:t>based</a:t>
-            </a:r>
-            <a:r>
-              <a:rPr lang="zh-CN" altLang="en-US" dirty="0"/>
-              <a:t> </a:t>
-            </a:r>
-            <a:r>
-              <a:rPr lang="en-US" altLang="zh-CN" dirty="0"/>
-              <a:t>on</a:t>
-            </a:r>
-            <a:r>
-              <a:rPr lang="zh-CN" altLang="en-US" dirty="0"/>
-              <a:t> </a:t>
-            </a:r>
-            <a:r>
-              <a:rPr lang="en-US" altLang="zh-CN" dirty="0"/>
-              <a:t>Fermi</a:t>
-            </a:r>
-            <a:r>
-              <a:rPr lang="zh-CN" altLang="en-US" dirty="0"/>
-              <a:t> </a:t>
-            </a:r>
-            <a:r>
-              <a:rPr lang="en-US" altLang="zh-CN" dirty="0"/>
-              <a:t>architecture</a:t>
-            </a:r>
-            <a:endParaRPr lang="en-US" dirty="0"/>
-          </a:p>
-          <a:p>
-            <a:pPr lvl="1"/>
-            <a:r>
-              <a:rPr lang="en-US" altLang="zh-CN" u="sng" dirty="0"/>
-              <a:t>Heatmaps</a:t>
-            </a:r>
-            <a:r>
-              <a:rPr lang="zh-CN" altLang="en-US" dirty="0"/>
-              <a:t> </a:t>
-            </a:r>
-            <a:r>
-              <a:rPr lang="en-US" altLang="zh-CN" dirty="0"/>
-              <a:t>for</a:t>
-            </a:r>
-            <a:r>
-              <a:rPr lang="zh-CN" altLang="en-US" dirty="0"/>
-              <a:t> </a:t>
-            </a:r>
-            <a:r>
-              <a:rPr lang="en-US" altLang="zh-CN" dirty="0"/>
-              <a:t>all</a:t>
-            </a:r>
-            <a:r>
-              <a:rPr lang="zh-CN" altLang="en-US" dirty="0"/>
-              <a:t> </a:t>
-            </a:r>
-            <a:r>
-              <a:rPr lang="en-US" altLang="zh-CN" dirty="0"/>
-              <a:t>4</a:t>
-            </a:r>
-            <a:r>
-              <a:rPr lang="zh-CN" altLang="en-US" dirty="0"/>
-              <a:t> </a:t>
-            </a:r>
-            <a:r>
-              <a:rPr lang="en-US" altLang="zh-CN" dirty="0"/>
-              <a:t>layers</a:t>
-            </a:r>
-            <a:r>
-              <a:rPr lang="zh-CN" altLang="en-US" dirty="0"/>
-              <a:t> </a:t>
-            </a:r>
-            <a:r>
-              <a:rPr lang="en-US" altLang="zh-CN" dirty="0"/>
-              <a:t>and</a:t>
-            </a:r>
-            <a:r>
-              <a:rPr lang="zh-CN" altLang="en-US" dirty="0"/>
-              <a:t> </a:t>
-            </a:r>
-            <a:r>
-              <a:rPr lang="en-US" altLang="zh-CN" dirty="0"/>
-              <a:t>2</a:t>
-            </a:r>
-            <a:r>
-              <a:rPr lang="zh-CN" altLang="en-US" dirty="0"/>
-              <a:t> </a:t>
-            </a:r>
-            <a:r>
-              <a:rPr lang="en-US" altLang="zh-CN" dirty="0"/>
-              <a:t>operations</a:t>
-            </a:r>
-            <a:r>
-              <a:rPr lang="zh-CN" altLang="en-US" dirty="0"/>
-              <a:t> </a:t>
-            </a:r>
-            <a:endParaRPr lang="en-US" altLang="zh-CN" dirty="0"/>
-          </a:p>
-          <a:p>
-            <a:pPr lvl="1"/>
-            <a:r>
-              <a:rPr lang="en-US" altLang="zh-CN" u="sng" dirty="0"/>
-              <a:t>Power</a:t>
-            </a:r>
-            <a:r>
-              <a:rPr lang="zh-CN" altLang="en-US" u="sng" dirty="0"/>
-              <a:t> </a:t>
-            </a:r>
-            <a:r>
-              <a:rPr lang="en-US" altLang="zh-CN" u="sng" dirty="0"/>
-              <a:t>logs</a:t>
-            </a:r>
-            <a:r>
-              <a:rPr lang="zh-CN" altLang="en-US" dirty="0"/>
-              <a:t> </a:t>
-            </a:r>
-            <a:r>
-              <a:rPr lang="en-US" altLang="zh-CN" dirty="0"/>
-              <a:t>for</a:t>
-            </a:r>
-            <a:r>
-              <a:rPr lang="zh-CN" altLang="en-US" dirty="0"/>
-              <a:t> </a:t>
-            </a:r>
-            <a:r>
-              <a:rPr lang="en-US" altLang="zh-CN" dirty="0"/>
-              <a:t>2</a:t>
-            </a:r>
-            <a:r>
-              <a:rPr lang="zh-CN" altLang="en-US" dirty="0"/>
-              <a:t> </a:t>
-            </a:r>
-            <a:r>
-              <a:rPr lang="en-US" altLang="zh-CN" dirty="0"/>
-              <a:t>operations:</a:t>
-            </a:r>
-          </a:p>
-          <a:p>
-            <a:pPr lvl="2"/>
-            <a:r>
-              <a:rPr lang="en-US" altLang="zh-CN" dirty="0"/>
-              <a:t>Average</a:t>
-            </a:r>
-          </a:p>
-          <a:p>
-            <a:pPr lvl="2"/>
-            <a:r>
-              <a:rPr lang="en-US" altLang="zh-CN" dirty="0"/>
-              <a:t>Max</a:t>
-            </a:r>
-          </a:p>
-          <a:p>
-            <a:pPr lvl="2"/>
-            <a:r>
-              <a:rPr lang="en-US" altLang="zh-CN" dirty="0"/>
-              <a:t>Min</a:t>
-            </a:r>
-          </a:p>
-          <a:p>
-            <a:pPr lvl="1"/>
-            <a:r>
-              <a:rPr lang="en-US" altLang="zh-CN" u="sng" dirty="0"/>
-              <a:t>Automation</a:t>
-            </a:r>
-            <a:r>
-              <a:rPr lang="zh-CN" altLang="en-US" u="sng" dirty="0"/>
-              <a:t> </a:t>
-            </a:r>
-            <a:r>
-              <a:rPr lang="en-US" altLang="zh-CN" u="sng" dirty="0"/>
-              <a:t>script</a:t>
-            </a:r>
-            <a:r>
-              <a:rPr lang="zh-CN" altLang="en-US" dirty="0"/>
-              <a:t> </a:t>
-            </a:r>
-            <a:r>
-              <a:rPr lang="en-US" altLang="zh-CN" dirty="0"/>
-              <a:t>to</a:t>
-            </a:r>
-            <a:r>
-              <a:rPr lang="zh-CN" altLang="en-US" dirty="0"/>
-              <a:t> </a:t>
-            </a:r>
-            <a:r>
-              <a:rPr lang="en-US" altLang="zh-CN" dirty="0"/>
-              <a:t>make</a:t>
-            </a:r>
-            <a:r>
-              <a:rPr lang="zh-CN" altLang="en-US" dirty="0"/>
-              <a:t> </a:t>
-            </a:r>
-            <a:r>
-              <a:rPr lang="en-US" altLang="zh-CN" dirty="0"/>
-              <a:t>it</a:t>
-            </a:r>
-            <a:r>
-              <a:rPr lang="zh-CN" altLang="en-US" dirty="0"/>
-              <a:t> </a:t>
-            </a:r>
-            <a:r>
-              <a:rPr lang="en-US" altLang="zh-CN" dirty="0"/>
-              <a:t>a</a:t>
-            </a:r>
-            <a:r>
-              <a:rPr lang="zh-CN" altLang="en-US" dirty="0"/>
-              <a:t> </a:t>
-            </a:r>
-            <a:r>
-              <a:rPr lang="en-US" altLang="zh-CN" dirty="0"/>
-              <a:t>one-click</a:t>
-            </a:r>
-            <a:r>
-              <a:rPr lang="zh-CN" altLang="en-US" dirty="0"/>
-              <a:t> </a:t>
-            </a:r>
-            <a:r>
-              <a:rPr lang="en-US" altLang="zh-CN" dirty="0"/>
-              <a:t>system</a:t>
-            </a:r>
-            <a:endParaRPr lang="en-US" dirty="0"/>
-          </a:p>
-        </p:txBody>
-      </p:sp>
-    </p:spTree>
-    <p:extLst>
-      <p:ext uri="{BB962C8B-B14F-4D97-AF65-F5344CB8AC3E}">
-        <p14:creationId xmlns:p14="http://schemas.microsoft.com/office/powerpoint/2010/main" val="3313406564"/>
-      </p:ext>
-    </p:extLst>
-  </p:cSld>
-  <p:clrMapOvr>
-    <a:masterClrMapping/>
-  </p:clrMapOvr>
-</p:sld>
-</file>
-
-<file path=ppt/slides/slide5.xml><?xml version="1.0" encoding="utf-8"?>
-<p:sld xmlns:a="http://schemas.openxmlformats.org/drawingml/2006/main" xmlns:r="http://schemas.openxmlformats.org/officeDocument/2006/relationships" xmlns:p="http://schemas.openxmlformats.org/presentationml/2006/main">
-  <p:cSld>
-    <p:spTree>
-      <p:nvGrpSpPr>
-        <p:cNvPr id="1" name=""/>
-        <p:cNvGrpSpPr/>
-        <p:nvPr/>
-      </p:nvGrpSpPr>
-      <p:grpSpPr>
-        <a:xfrm>
-          <a:off x="0" y="0"/>
-          <a:ext cx="0" cy="0"/>
-          <a:chOff x="0" y="0"/>
-          <a:chExt cx="0" cy="0"/>
-        </a:xfrm>
-      </p:grpSpPr>
-      <p:sp>
-        <p:nvSpPr>
-          <p:cNvPr id="5" name="Title 1"/>
-          <p:cNvSpPr>
-            <a:spLocks noGrp="1"/>
-          </p:cNvSpPr>
-          <p:nvPr>
-            <p:ph type="title"/>
-          </p:nvPr>
-        </p:nvSpPr>
-        <p:spPr>
-          <a:xfrm>
-            <a:off x="405830" y="248569"/>
-            <a:ext cx="5188146" cy="896352"/>
-          </a:xfrm>
-        </p:spPr>
-        <p:txBody>
-          <a:bodyPr>
-            <a:normAutofit/>
-          </a:bodyPr>
-          <a:lstStyle/>
-          <a:p>
-            <a:r>
-              <a:rPr lang="en-US" dirty="0"/>
-              <a:t>Exp</a:t>
-            </a:r>
-            <a:r>
-              <a:rPr lang="en-US" altLang="zh-CN" dirty="0"/>
-              <a:t>erimental</a:t>
-            </a:r>
-            <a:r>
-              <a:rPr lang="zh-CN" altLang="en-US" dirty="0"/>
-              <a:t> </a:t>
-            </a:r>
-            <a:r>
-              <a:rPr lang="en-US" altLang="zh-CN" dirty="0"/>
-              <a:t>results</a:t>
-            </a:r>
-            <a:endParaRPr lang="en-US" dirty="0"/>
-          </a:p>
-        </p:txBody>
-      </p:sp>
-      <p:sp>
-        <p:nvSpPr>
-          <p:cNvPr id="3" name="Content Placeholder 2"/>
-          <p:cNvSpPr>
-            <a:spLocks noGrp="1"/>
-          </p:cNvSpPr>
-          <p:nvPr>
-            <p:ph idx="1"/>
-          </p:nvPr>
-        </p:nvSpPr>
-        <p:spPr>
-          <a:xfrm>
-            <a:off x="838200" y="1251284"/>
-            <a:ext cx="10313504" cy="4940794"/>
-          </a:xfrm>
-        </p:spPr>
-        <p:txBody>
-          <a:bodyPr>
-            <a:normAutofit/>
-          </a:bodyPr>
-          <a:lstStyle/>
-          <a:p>
             <a:pPr marL="0" indent="0">
               <a:buNone/>
             </a:pPr>
@@ -3705,10 +2876,10 @@
       </p:sp>
       <p:pic>
         <p:nvPicPr>
-          <p:cNvPr id="2" name="Picture 1">
+          <p:cNvPr id="6" name="Picture 5">
             <a:extLst>
               <a:ext uri="{FF2B5EF4-FFF2-40B4-BE49-F238E27FC236}">
-                <a16:creationId xmlns:a16="http://schemas.microsoft.com/office/drawing/2014/main" id="{BF508CC6-AFF1-8842-52F8-5B5D671D096A}"/>
+                <a16:creationId xmlns:a16="http://schemas.microsoft.com/office/drawing/2014/main" id="{9940D220-B30C-C078-E268-0DBA30808D03}"/>
               </a:ext>
             </a:extLst>
           </p:cNvPr>
@@ -3725,20 +2896,232 @@
         </p:blipFill>
         <p:spPr>
           <a:xfrm>
-            <a:off x="405830" y="1801756"/>
-            <a:ext cx="5430079" cy="4496685"/>
+            <a:off x="216871" y="1712386"/>
+            <a:ext cx="5566063" cy="4586055"/>
           </a:xfrm>
           <a:prstGeom prst="rect">
             <a:avLst/>
           </a:prstGeom>
         </p:spPr>
       </p:pic>
+      <p:sp>
+        <p:nvSpPr>
+          <p:cNvPr id="9" name="Content Placeholder 2">
+            <a:extLst>
+              <a:ext uri="{FF2B5EF4-FFF2-40B4-BE49-F238E27FC236}">
+                <a16:creationId xmlns:a16="http://schemas.microsoft.com/office/drawing/2014/main" id="{E2A69A1C-8D6B-BE30-01E4-25CA404C2575}"/>
+              </a:ext>
+            </a:extLst>
+          </p:cNvPr>
+          <p:cNvSpPr txBox="1">
+            <a:spLocks/>
+          </p:cNvSpPr>
+          <p:nvPr/>
+        </p:nvSpPr>
+        <p:spPr>
+          <a:xfrm>
+            <a:off x="5873246" y="1251284"/>
+            <a:ext cx="5188146" cy="4940794"/>
+          </a:xfrm>
+          <a:prstGeom prst="rect">
+            <a:avLst/>
+          </a:prstGeom>
+        </p:spPr>
+        <p:txBody>
+          <a:bodyPr vert="horz" lIns="91440" tIns="45720" rIns="91440" bIns="45720" rtlCol="0">
+            <a:normAutofit/>
+          </a:bodyPr>
+          <a:lstStyle>
+            <a:lvl1pPr marL="228600" indent="-228600" algn="l" defTabSz="914400" rtl="0" eaLnBrk="1" latinLnBrk="0" hangingPunct="1">
+              <a:lnSpc>
+                <a:spcPct val="90000"/>
+              </a:lnSpc>
+              <a:spcBef>
+                <a:spcPts val="1000"/>
+              </a:spcBef>
+              <a:buFont typeface="Arial" panose="020B0604020202090204" pitchFamily="34" charset="0"/>
+              <a:buChar char="•"/>
+              <a:defRPr sz="2800" kern="1200">
+                <a:solidFill>
+                  <a:schemeClr val="tx1"/>
+                </a:solidFill>
+                <a:latin typeface="+mn-lt"/>
+                <a:ea typeface="+mn-ea"/>
+                <a:cs typeface="+mn-cs"/>
+              </a:defRPr>
+            </a:lvl1pPr>
+            <a:lvl2pPr marL="685800" indent="-228600" algn="l" defTabSz="914400" rtl="0" eaLnBrk="1" latinLnBrk="0" hangingPunct="1">
+              <a:lnSpc>
+                <a:spcPct val="90000"/>
+              </a:lnSpc>
+              <a:spcBef>
+                <a:spcPts val="500"/>
+              </a:spcBef>
+              <a:buFont typeface="Arial" panose="020B0604020202090204" pitchFamily="34" charset="0"/>
+              <a:buChar char="•"/>
+              <a:defRPr sz="2400" kern="1200">
+                <a:solidFill>
+                  <a:schemeClr val="tx1"/>
+                </a:solidFill>
+                <a:latin typeface="+mn-lt"/>
+                <a:ea typeface="+mn-ea"/>
+                <a:cs typeface="+mn-cs"/>
+              </a:defRPr>
+            </a:lvl2pPr>
+            <a:lvl3pPr marL="1143000" indent="-228600" algn="l" defTabSz="914400" rtl="0" eaLnBrk="1" latinLnBrk="0" hangingPunct="1">
+              <a:lnSpc>
+                <a:spcPct val="90000"/>
+              </a:lnSpc>
+              <a:spcBef>
+                <a:spcPts val="500"/>
+              </a:spcBef>
+              <a:buFont typeface="Arial" panose="020B0604020202090204" pitchFamily="34" charset="0"/>
+              <a:buChar char="•"/>
+              <a:defRPr sz="2000" kern="1200">
+                <a:solidFill>
+                  <a:schemeClr val="tx1"/>
+                </a:solidFill>
+                <a:latin typeface="+mn-lt"/>
+                <a:ea typeface="+mn-ea"/>
+                <a:cs typeface="+mn-cs"/>
+              </a:defRPr>
+            </a:lvl3pPr>
+            <a:lvl4pPr marL="1600200" indent="-228600" algn="l" defTabSz="914400" rtl="0" eaLnBrk="1" latinLnBrk="0" hangingPunct="1">
+              <a:lnSpc>
+                <a:spcPct val="90000"/>
+              </a:lnSpc>
+              <a:spcBef>
+                <a:spcPts val="500"/>
+              </a:spcBef>
+              <a:buFont typeface="Arial" panose="020B0604020202090204" pitchFamily="34" charset="0"/>
+              <a:buChar char="•"/>
+              <a:defRPr sz="1800" kern="1200">
+                <a:solidFill>
+                  <a:schemeClr val="tx1"/>
+                </a:solidFill>
+                <a:latin typeface="+mn-lt"/>
+                <a:ea typeface="+mn-ea"/>
+                <a:cs typeface="+mn-cs"/>
+              </a:defRPr>
+            </a:lvl4pPr>
+            <a:lvl5pPr marL="2057400" indent="-228600" algn="l" defTabSz="914400" rtl="0" eaLnBrk="1" latinLnBrk="0" hangingPunct="1">
+              <a:lnSpc>
+                <a:spcPct val="90000"/>
+              </a:lnSpc>
+              <a:spcBef>
+                <a:spcPts val="500"/>
+              </a:spcBef>
+              <a:buFont typeface="Arial" panose="020B0604020202090204" pitchFamily="34" charset="0"/>
+              <a:buChar char="•"/>
+              <a:defRPr sz="1800" kern="1200">
+                <a:solidFill>
+                  <a:schemeClr val="tx1"/>
+                </a:solidFill>
+                <a:latin typeface="+mn-lt"/>
+                <a:ea typeface="+mn-ea"/>
+                <a:cs typeface="+mn-cs"/>
+              </a:defRPr>
+            </a:lvl5pPr>
+            <a:lvl6pPr marL="2514600" indent="-228600" algn="l" defTabSz="914400" rtl="0" eaLnBrk="1" latinLnBrk="0" hangingPunct="1">
+              <a:lnSpc>
+                <a:spcPct val="90000"/>
+              </a:lnSpc>
+              <a:spcBef>
+                <a:spcPts val="500"/>
+              </a:spcBef>
+              <a:buFont typeface="Arial" panose="020B0604020202090204" pitchFamily="34" charset="0"/>
+              <a:buChar char="•"/>
+              <a:defRPr sz="1800" kern="1200">
+                <a:solidFill>
+                  <a:schemeClr val="tx1"/>
+                </a:solidFill>
+                <a:latin typeface="+mn-lt"/>
+                <a:ea typeface="+mn-ea"/>
+                <a:cs typeface="+mn-cs"/>
+              </a:defRPr>
+            </a:lvl6pPr>
+            <a:lvl7pPr marL="2971800" indent="-228600" algn="l" defTabSz="914400" rtl="0" eaLnBrk="1" latinLnBrk="0" hangingPunct="1">
+              <a:lnSpc>
+                <a:spcPct val="90000"/>
+              </a:lnSpc>
+              <a:spcBef>
+                <a:spcPts val="500"/>
+              </a:spcBef>
+              <a:buFont typeface="Arial" panose="020B0604020202090204" pitchFamily="34" charset="0"/>
+              <a:buChar char="•"/>
+              <a:defRPr sz="1800" kern="1200">
+                <a:solidFill>
+                  <a:schemeClr val="tx1"/>
+                </a:solidFill>
+                <a:latin typeface="+mn-lt"/>
+                <a:ea typeface="+mn-ea"/>
+                <a:cs typeface="+mn-cs"/>
+              </a:defRPr>
+            </a:lvl7pPr>
+            <a:lvl8pPr marL="3429000" indent="-228600" algn="l" defTabSz="914400" rtl="0" eaLnBrk="1" latinLnBrk="0" hangingPunct="1">
+              <a:lnSpc>
+                <a:spcPct val="90000"/>
+              </a:lnSpc>
+              <a:spcBef>
+                <a:spcPts val="500"/>
+              </a:spcBef>
+              <a:buFont typeface="Arial" panose="020B0604020202090204" pitchFamily="34" charset="0"/>
+              <a:buChar char="•"/>
+              <a:defRPr sz="1800" kern="1200">
+                <a:solidFill>
+                  <a:schemeClr val="tx1"/>
+                </a:solidFill>
+                <a:latin typeface="+mn-lt"/>
+                <a:ea typeface="+mn-ea"/>
+                <a:cs typeface="+mn-cs"/>
+              </a:defRPr>
+            </a:lvl8pPr>
+            <a:lvl9pPr marL="3886200" indent="-228600" algn="l" defTabSz="914400" rtl="0" eaLnBrk="1" latinLnBrk="0" hangingPunct="1">
+              <a:lnSpc>
+                <a:spcPct val="90000"/>
+              </a:lnSpc>
+              <a:spcBef>
+                <a:spcPts val="500"/>
+              </a:spcBef>
+              <a:buFont typeface="Arial" panose="020B0604020202090204" pitchFamily="34" charset="0"/>
+              <a:buChar char="•"/>
+              <a:defRPr sz="1800" kern="1200">
+                <a:solidFill>
+                  <a:schemeClr val="tx1"/>
+                </a:solidFill>
+                <a:latin typeface="+mn-lt"/>
+                <a:ea typeface="+mn-ea"/>
+                <a:cs typeface="+mn-cs"/>
+              </a:defRPr>
+            </a:lvl9pPr>
+          </a:lstStyle>
+          <a:p>
+            <a:pPr marL="0" indent="0">
+              <a:buFont typeface="Arial" panose="020B0604020202090204" pitchFamily="34" charset="0"/>
+              <a:buNone/>
+            </a:pPr>
+            <a:r>
+              <a:rPr lang="en-US" altLang="zh-CN"/>
+              <a:t>Power</a:t>
+            </a:r>
+            <a:r>
+              <a:rPr lang="zh-CN" altLang="en-US"/>
+              <a:t> </a:t>
+            </a:r>
+            <a:r>
+              <a:rPr lang="en-US" altLang="zh-CN"/>
+              <a:t>traces</a:t>
+            </a:r>
+            <a:endParaRPr lang="en-US" altLang="zh-CN" dirty="0"/>
+          </a:p>
+        </p:txBody>
+      </p:sp>
       <p:pic>
         <p:nvPicPr>
-          <p:cNvPr id="4" name="Picture 3">
+          <p:cNvPr id="11" name="Picture 10">
             <a:extLst>
               <a:ext uri="{FF2B5EF4-FFF2-40B4-BE49-F238E27FC236}">
-                <a16:creationId xmlns:a16="http://schemas.microsoft.com/office/drawing/2014/main" id="{EBCF91D7-C16B-C9DB-D734-BB203C882E78}"/>
+                <a16:creationId xmlns:a16="http://schemas.microsoft.com/office/drawing/2014/main" id="{F8D7C93B-8E3E-2F45-FBDD-F91240F15B1D}"/>
               </a:ext>
             </a:extLst>
           </p:cNvPr>
@@ -3755,8 +3138,8 @@
         </p:blipFill>
         <p:spPr>
           <a:xfrm>
-            <a:off x="5994952" y="1727078"/>
-            <a:ext cx="5527831" cy="4518181"/>
+            <a:off x="5782934" y="2276751"/>
+            <a:ext cx="6137564" cy="2889860"/>
           </a:xfrm>
           <a:prstGeom prst="rect">
             <a:avLst/>
@@ -3776,291 +3159,7 @@
 </p:sld>
 </file>
 
-<file path=ppt/slides/slide6.xml><?xml version="1.0" encoding="utf-8"?>
-<p:sld xmlns:a="http://schemas.openxmlformats.org/drawingml/2006/main" xmlns:r="http://schemas.openxmlformats.org/officeDocument/2006/relationships" xmlns:p="http://schemas.openxmlformats.org/presentationml/2006/main">
-  <p:cSld>
-    <p:spTree>
-      <p:nvGrpSpPr>
-        <p:cNvPr id="1" name=""/>
-        <p:cNvGrpSpPr/>
-        <p:nvPr/>
-      </p:nvGrpSpPr>
-      <p:grpSpPr>
-        <a:xfrm>
-          <a:off x="0" y="0"/>
-          <a:ext cx="0" cy="0"/>
-          <a:chOff x="0" y="0"/>
-          <a:chExt cx="0" cy="0"/>
-        </a:xfrm>
-      </p:grpSpPr>
-      <p:sp>
-        <p:nvSpPr>
-          <p:cNvPr id="5" name="Title 1"/>
-          <p:cNvSpPr>
-            <a:spLocks noGrp="1"/>
-          </p:cNvSpPr>
-          <p:nvPr>
-            <p:ph type="title"/>
-          </p:nvPr>
-        </p:nvSpPr>
-        <p:spPr>
-          <a:xfrm>
-            <a:off x="405830" y="248569"/>
-            <a:ext cx="5188146" cy="896352"/>
-          </a:xfrm>
-        </p:spPr>
-        <p:txBody>
-          <a:bodyPr>
-            <a:normAutofit/>
-          </a:bodyPr>
-          <a:lstStyle/>
-          <a:p>
-            <a:r>
-              <a:rPr lang="en-US" dirty="0"/>
-              <a:t>Exp</a:t>
-            </a:r>
-            <a:r>
-              <a:rPr lang="en-US" altLang="zh-CN" dirty="0"/>
-              <a:t>erimental</a:t>
-            </a:r>
-            <a:r>
-              <a:rPr lang="zh-CN" altLang="en-US" dirty="0"/>
-              <a:t> </a:t>
-            </a:r>
-            <a:r>
-              <a:rPr lang="en-US" altLang="zh-CN" dirty="0"/>
-              <a:t>results</a:t>
-            </a:r>
-            <a:endParaRPr lang="en-US" dirty="0"/>
-          </a:p>
-        </p:txBody>
-      </p:sp>
-      <p:sp>
-        <p:nvSpPr>
-          <p:cNvPr id="3" name="Content Placeholder 2"/>
-          <p:cNvSpPr>
-            <a:spLocks noGrp="1"/>
-          </p:cNvSpPr>
-          <p:nvPr>
-            <p:ph idx="1"/>
-          </p:nvPr>
-        </p:nvSpPr>
-        <p:spPr>
-          <a:xfrm>
-            <a:off x="838200" y="1251284"/>
-            <a:ext cx="10313504" cy="4940794"/>
-          </a:xfrm>
-        </p:spPr>
-        <p:txBody>
-          <a:bodyPr>
-            <a:normAutofit/>
-          </a:bodyPr>
-          <a:lstStyle/>
-          <a:p>
-            <a:pPr marL="0" indent="0">
-              <a:buNone/>
-            </a:pPr>
-            <a:r>
-              <a:rPr lang="en-US" altLang="zh-CN" dirty="0"/>
-              <a:t>Power</a:t>
-            </a:r>
-            <a:r>
-              <a:rPr lang="zh-CN" altLang="en-US" dirty="0"/>
-              <a:t> </a:t>
-            </a:r>
-            <a:r>
-              <a:rPr lang="en-US" altLang="zh-CN" dirty="0"/>
-              <a:t>traces</a:t>
-            </a:r>
-          </a:p>
-        </p:txBody>
-      </p:sp>
-      <p:pic>
-        <p:nvPicPr>
-          <p:cNvPr id="7" name="Picture 6">
-            <a:extLst>
-              <a:ext uri="{FF2B5EF4-FFF2-40B4-BE49-F238E27FC236}">
-                <a16:creationId xmlns:a16="http://schemas.microsoft.com/office/drawing/2014/main" id="{A8A6A729-3959-1C5F-2D0C-EEE5AE037844}"/>
-              </a:ext>
-            </a:extLst>
-          </p:cNvPr>
-          <p:cNvPicPr>
-            <a:picLocks noChangeAspect="1"/>
-          </p:cNvPicPr>
-          <p:nvPr/>
-        </p:nvPicPr>
-        <p:blipFill>
-          <a:blip r:embed="rId3"/>
-          <a:stretch>
-            <a:fillRect/>
-          </a:stretch>
-        </p:blipFill>
-        <p:spPr>
-          <a:xfrm>
-            <a:off x="1214230" y="1647029"/>
-            <a:ext cx="9763539" cy="4426712"/>
-          </a:xfrm>
-          <a:prstGeom prst="rect">
-            <a:avLst/>
-          </a:prstGeom>
-        </p:spPr>
-      </p:pic>
-    </p:spTree>
-    <p:extLst>
-      <p:ext uri="{BB962C8B-B14F-4D97-AF65-F5344CB8AC3E}">
-        <p14:creationId xmlns:p14="http://schemas.microsoft.com/office/powerpoint/2010/main" val="3514922663"/>
-      </p:ext>
-    </p:extLst>
-  </p:cSld>
-  <p:clrMapOvr>
-    <a:masterClrMapping/>
-  </p:clrMapOvr>
-</p:sld>
-</file>
-
-<file path=ppt/slides/slide7.xml><?xml version="1.0" encoding="utf-8"?>
-<p:sld xmlns:a="http://schemas.openxmlformats.org/drawingml/2006/main" xmlns:r="http://schemas.openxmlformats.org/officeDocument/2006/relationships" xmlns:p="http://schemas.openxmlformats.org/presentationml/2006/main">
-  <p:cSld>
-    <p:spTree>
-      <p:nvGrpSpPr>
-        <p:cNvPr id="1" name=""/>
-        <p:cNvGrpSpPr/>
-        <p:nvPr/>
-      </p:nvGrpSpPr>
-      <p:grpSpPr>
-        <a:xfrm>
-          <a:off x="0" y="0"/>
-          <a:ext cx="0" cy="0"/>
-          <a:chOff x="0" y="0"/>
-          <a:chExt cx="0" cy="0"/>
-        </a:xfrm>
-      </p:grpSpPr>
-      <p:sp>
-        <p:nvSpPr>
-          <p:cNvPr id="5" name="Title 1"/>
-          <p:cNvSpPr>
-            <a:spLocks noGrp="1"/>
-          </p:cNvSpPr>
-          <p:nvPr>
-            <p:ph type="title"/>
-          </p:nvPr>
-        </p:nvSpPr>
-        <p:spPr>
-          <a:xfrm>
-            <a:off x="405830" y="248569"/>
-            <a:ext cx="5188146" cy="896352"/>
-          </a:xfrm>
-        </p:spPr>
-        <p:txBody>
-          <a:bodyPr>
-            <a:normAutofit/>
-          </a:bodyPr>
-          <a:lstStyle/>
-          <a:p>
-            <a:r>
-              <a:rPr lang="en-US" dirty="0"/>
-              <a:t>Exp</a:t>
-            </a:r>
-            <a:r>
-              <a:rPr lang="en-US" altLang="zh-CN" dirty="0"/>
-              <a:t>erimental</a:t>
-            </a:r>
-            <a:r>
-              <a:rPr lang="zh-CN" altLang="en-US" dirty="0"/>
-              <a:t> </a:t>
-            </a:r>
-            <a:r>
-              <a:rPr lang="en-US" altLang="zh-CN" dirty="0"/>
-              <a:t>results</a:t>
-            </a:r>
-            <a:endParaRPr lang="en-US" dirty="0"/>
-          </a:p>
-        </p:txBody>
-      </p:sp>
-      <p:sp>
-        <p:nvSpPr>
-          <p:cNvPr id="3" name="Content Placeholder 2"/>
-          <p:cNvSpPr>
-            <a:spLocks noGrp="1"/>
-          </p:cNvSpPr>
-          <p:nvPr>
-            <p:ph idx="1"/>
-          </p:nvPr>
-        </p:nvSpPr>
-        <p:spPr>
-          <a:xfrm>
-            <a:off x="838200" y="1251284"/>
-            <a:ext cx="10313504" cy="4940794"/>
-          </a:xfrm>
-        </p:spPr>
-        <p:txBody>
-          <a:bodyPr>
-            <a:normAutofit/>
-          </a:bodyPr>
-          <a:lstStyle/>
-          <a:p>
-            <a:pPr marL="0" indent="0">
-              <a:buNone/>
-            </a:pPr>
-            <a:r>
-              <a:rPr lang="en-US" altLang="zh-CN" dirty="0"/>
-              <a:t>Automation</a:t>
-            </a:r>
-            <a:r>
-              <a:rPr lang="zh-CN" altLang="en-US" dirty="0"/>
-              <a:t> </a:t>
-            </a:r>
-            <a:r>
-              <a:rPr lang="en-US" altLang="zh-CN" dirty="0"/>
-              <a:t>script</a:t>
-            </a:r>
-          </a:p>
-        </p:txBody>
-      </p:sp>
-      <p:pic>
-        <p:nvPicPr>
-          <p:cNvPr id="6" name="Picture 5">
-            <a:extLst>
-              <a:ext uri="{FF2B5EF4-FFF2-40B4-BE49-F238E27FC236}">
-                <a16:creationId xmlns:a16="http://schemas.microsoft.com/office/drawing/2014/main" id="{F2D1A424-F5EB-7D00-7930-A0BCEC120205}"/>
-              </a:ext>
-            </a:extLst>
-          </p:cNvPr>
-          <p:cNvPicPr>
-            <a:picLocks noChangeAspect="1"/>
-          </p:cNvPicPr>
-          <p:nvPr/>
-        </p:nvPicPr>
-        <p:blipFill>
-          <a:blip r:embed="rId3"/>
-          <a:stretch>
-            <a:fillRect/>
-          </a:stretch>
-        </p:blipFill>
-        <p:spPr>
-          <a:xfrm>
-            <a:off x="1304701" y="2506538"/>
-            <a:ext cx="9582598" cy="1588383"/>
-          </a:xfrm>
-          <a:prstGeom prst="rect">
-            <a:avLst/>
-          </a:prstGeom>
-        </p:spPr>
-      </p:pic>
-    </p:spTree>
-    <p:extLst>
-      <p:ext uri="{BB962C8B-B14F-4D97-AF65-F5344CB8AC3E}">
-        <p14:creationId xmlns:p14="http://schemas.microsoft.com/office/powerpoint/2010/main" val="2890657540"/>
-      </p:ext>
-    </p:extLst>
-  </p:cSld>
-  <p:clrMapOvr>
-    <a:masterClrMapping/>
-  </p:clrMapOvr>
-</p:sld>
-</file>
-
-<file path=ppt/slides/slide8.xml><?xml version="1.0" encoding="utf-8"?>
+<file path=ppt/slides/slide4.xml><?xml version="1.0" encoding="utf-8"?>
 <p:sld xmlns:a="http://schemas.openxmlformats.org/drawingml/2006/main" xmlns:r="http://schemas.openxmlformats.org/officeDocument/2006/relationships" xmlns:p="http://schemas.openxmlformats.org/presentationml/2006/main">
   <p:cSld>
     <p:spTree>
